--- a/slides/GINA_SDP_final.pptx
+++ b/slides/GINA_SDP_final.pptx
@@ -15,11 +15,11 @@
     <p:sldId id="263" r:id="rId9"/>
     <p:sldId id="268" r:id="rId10"/>
     <p:sldId id="275" r:id="rId11"/>
-    <p:sldId id="269" r:id="rId12"/>
-    <p:sldId id="270" r:id="rId13"/>
+    <p:sldId id="280" r:id="rId12"/>
+    <p:sldId id="281" r:id="rId13"/>
     <p:sldId id="276" r:id="rId14"/>
-    <p:sldId id="277" r:id="rId15"/>
-    <p:sldId id="278" r:id="rId16"/>
+    <p:sldId id="279" r:id="rId15"/>
+    <p:sldId id="277" r:id="rId16"/>
     <p:sldId id="273" r:id="rId17"/>
     <p:sldId id="272" r:id="rId18"/>
   </p:sldIdLst>
@@ -851,7 +851,7 @@
             <a:fld id="{B61BEF0D-F0BB-DE4B-95CE-6DB70DBA9567}" type="datetimeFigureOut">
               <a:rPr lang="en-US" smtClean="0"/>
               <a:pPr/>
-              <a:t>6/9/2017</a:t>
+              <a:t>6/11/2017</a:t>
             </a:fld>
             <a:endParaRPr lang="en-US" dirty="0"/>
           </a:p>
@@ -1104,7 +1104,7 @@
             <a:fld id="{B61BEF0D-F0BB-DE4B-95CE-6DB70DBA9567}" type="datetimeFigureOut">
               <a:rPr lang="en-US" smtClean="0"/>
               <a:pPr/>
-              <a:t>6/9/2017</a:t>
+              <a:t>6/11/2017</a:t>
             </a:fld>
             <a:endParaRPr lang="en-US" dirty="0"/>
           </a:p>
@@ -1420,7 +1420,7 @@
             <a:fld id="{B61BEF0D-F0BB-DE4B-95CE-6DB70DBA9567}" type="datetimeFigureOut">
               <a:rPr lang="en-US" smtClean="0"/>
               <a:pPr/>
-              <a:t>6/9/2017</a:t>
+              <a:t>6/11/2017</a:t>
             </a:fld>
             <a:endParaRPr lang="en-US" dirty="0"/>
           </a:p>
@@ -1763,7 +1763,7 @@
             <a:fld id="{B61BEF0D-F0BB-DE4B-95CE-6DB70DBA9567}" type="datetimeFigureOut">
               <a:rPr lang="en-US" smtClean="0"/>
               <a:pPr/>
-              <a:t>6/9/2017</a:t>
+              <a:t>6/11/2017</a:t>
             </a:fld>
             <a:endParaRPr lang="en-US" dirty="0"/>
           </a:p>
@@ -2079,7 +2079,7 @@
             <a:fld id="{B61BEF0D-F0BB-DE4B-95CE-6DB70DBA9567}" type="datetimeFigureOut">
               <a:rPr lang="en-US" smtClean="0"/>
               <a:pPr/>
-              <a:t>6/9/2017</a:t>
+              <a:t>6/11/2017</a:t>
             </a:fld>
             <a:endParaRPr lang="en-US" dirty="0"/>
           </a:p>
@@ -2474,7 +2474,7 @@
             <a:fld id="{B61BEF0D-F0BB-DE4B-95CE-6DB70DBA9567}" type="datetimeFigureOut">
               <a:rPr lang="en-US" smtClean="0"/>
               <a:pPr/>
-              <a:t>6/9/2017</a:t>
+              <a:t>6/11/2017</a:t>
             </a:fld>
             <a:endParaRPr lang="en-US" dirty="0"/>
           </a:p>
@@ -2645,7 +2645,7 @@
           <a:p>
             <a:fld id="{55C6B4A9-1611-4792-9094-5F34BCA07E0B}" type="datetimeFigureOut">
               <a:rPr lang="en-US" smtClean="0"/>
-              <a:t>6/9/2017</a:t>
+              <a:t>6/11/2017</a:t>
             </a:fld>
             <a:endParaRPr lang="en-US" dirty="0"/>
           </a:p>
@@ -2826,7 +2826,7 @@
             <a:fld id="{B61BEF0D-F0BB-DE4B-95CE-6DB70DBA9567}" type="datetimeFigureOut">
               <a:rPr lang="en-US" smtClean="0"/>
               <a:pPr/>
-              <a:t>6/9/2017</a:t>
+              <a:t>6/11/2017</a:t>
             </a:fld>
             <a:endParaRPr lang="en-US" dirty="0"/>
           </a:p>
@@ -3004,7 +3004,7 @@
             <a:fld id="{B61BEF0D-F0BB-DE4B-95CE-6DB70DBA9567}" type="datetimeFigureOut">
               <a:rPr lang="en-US" smtClean="0"/>
               <a:pPr/>
-              <a:t>6/9/2017</a:t>
+              <a:t>6/11/2017</a:t>
             </a:fld>
             <a:endParaRPr lang="en-US" dirty="0"/>
           </a:p>
@@ -3253,7 +3253,7 @@
             <a:fld id="{B61BEF0D-F0BB-DE4B-95CE-6DB70DBA9567}" type="datetimeFigureOut">
               <a:rPr lang="en-US" smtClean="0"/>
               <a:pPr/>
-              <a:t>6/9/2017</a:t>
+              <a:t>6/11/2017</a:t>
             </a:fld>
             <a:endParaRPr lang="en-US" dirty="0"/>
           </a:p>
@@ -3486,7 +3486,7 @@
           <a:p>
             <a:fld id="{EB712588-04B1-427B-82EE-E8DB90309F08}" type="datetimeFigureOut">
               <a:rPr lang="en-US" smtClean="0"/>
-              <a:t>6/9/2017</a:t>
+              <a:t>6/11/2017</a:t>
             </a:fld>
             <a:endParaRPr lang="en-US" dirty="0"/>
           </a:p>
@@ -3861,7 +3861,7 @@
             <a:fld id="{B61BEF0D-F0BB-DE4B-95CE-6DB70DBA9567}" type="datetimeFigureOut">
               <a:rPr lang="en-US" smtClean="0"/>
               <a:pPr/>
-              <a:t>6/9/2017</a:t>
+              <a:t>6/11/2017</a:t>
             </a:fld>
             <a:endParaRPr lang="en-US" dirty="0"/>
           </a:p>
@@ -3986,7 +3986,7 @@
             <a:fld id="{B61BEF0D-F0BB-DE4B-95CE-6DB70DBA9567}" type="datetimeFigureOut">
               <a:rPr lang="en-US" smtClean="0"/>
               <a:pPr/>
-              <a:t>6/9/2017</a:t>
+              <a:t>6/11/2017</a:t>
             </a:fld>
             <a:endParaRPr lang="en-US" dirty="0"/>
           </a:p>
@@ -4083,7 +4083,7 @@
             <a:fld id="{B61BEF0D-F0BB-DE4B-95CE-6DB70DBA9567}" type="datetimeFigureOut">
               <a:rPr lang="en-US" smtClean="0"/>
               <a:pPr/>
-              <a:t>6/9/2017</a:t>
+              <a:t>6/11/2017</a:t>
             </a:fld>
             <a:endParaRPr lang="en-US" dirty="0"/>
           </a:p>
@@ -4339,7 +4339,7 @@
           <a:p>
             <a:fld id="{42A54C80-263E-416B-A8E0-580EDEADCBDC}" type="datetimeFigureOut">
               <a:rPr lang="en-US" smtClean="0"/>
-              <a:t>6/9/2017</a:t>
+              <a:t>6/11/2017</a:t>
             </a:fld>
             <a:endParaRPr lang="en-US" dirty="0"/>
           </a:p>
@@ -4603,7 +4603,7 @@
             <a:fld id="{B61BEF0D-F0BB-DE4B-95CE-6DB70DBA9567}" type="datetimeFigureOut">
               <a:rPr lang="en-US" smtClean="0"/>
               <a:pPr/>
-              <a:t>6/9/2017</a:t>
+              <a:t>6/11/2017</a:t>
             </a:fld>
             <a:endParaRPr lang="en-US" dirty="0"/>
           </a:p>
@@ -5348,7 +5348,7 @@
             <a:fld id="{B61BEF0D-F0BB-DE4B-95CE-6DB70DBA9567}" type="datetimeFigureOut">
               <a:rPr lang="en-US" smtClean="0"/>
               <a:pPr/>
-              <a:t>6/9/2017</a:t>
+              <a:t>6/11/2017</a:t>
             </a:fld>
             <a:endParaRPr lang="en-US" dirty="0"/>
           </a:p>
@@ -6269,12 +6269,14 @@
         </p:nvSpPr>
         <p:spPr>
           <a:xfrm>
-            <a:off x="1022774" y="314960"/>
+            <a:off x="1408854" y="528320"/>
             <a:ext cx="8596668" cy="1320800"/>
           </a:xfrm>
         </p:spPr>
         <p:txBody>
-          <a:bodyPr/>
+          <a:bodyPr>
+            <a:normAutofit/>
+          </a:bodyPr>
           <a:lstStyle/>
           <a:p>
             <a:pPr algn="ctr"/>
@@ -6292,7 +6294,7 @@
       </p:sp>
       <p:sp>
         <p:nvSpPr>
-          <p:cNvPr id="5" name="Segnaposto contenuto 4"/>
+          <p:cNvPr id="3" name="Segnaposto contenuto 2"/>
           <p:cNvSpPr>
             <a:spLocks noGrp="1"/>
           </p:cNvSpPr>
@@ -6300,33 +6302,77 @@
             <p:ph idx="1"/>
           </p:nvPr>
         </p:nvSpPr>
-        <p:spPr/>
+        <p:spPr>
+          <a:xfrm>
+            <a:off x="853440" y="1794829"/>
+            <a:ext cx="8596668" cy="3880773"/>
+          </a:xfrm>
+        </p:spPr>
         <p:txBody>
           <a:bodyPr/>
           <a:lstStyle/>
           <a:p>
-            <a:endParaRPr lang="it-IT"/>
+            <a:r>
+              <a:rPr lang="it-IT" dirty="0"/>
+              <a:t>Version control repository and Internet hosting service</a:t>
+            </a:r>
+            <a:endParaRPr lang="it-IT" dirty="0">
+              <a:hlinkClick r:id="rId2"/>
+            </a:endParaRPr>
+          </a:p>
+          <a:p>
+            <a:r>
+              <a:rPr lang="it-IT" dirty="0">
+                <a:hlinkClick r:id="rId2"/>
+              </a:rPr>
+              <a:t>https://github.com/Garolla/IPMANAGER/</a:t>
+            </a:r>
+            <a:endParaRPr lang="it-IT" dirty="0"/>
           </a:p>
         </p:txBody>
       </p:sp>
       <p:pic>
         <p:nvPicPr>
-          <p:cNvPr id="8" name="Immagine 7"/>
+          <p:cNvPr id="5" name="Immagine 4"/>
           <p:cNvPicPr>
             <a:picLocks noChangeAspect="1"/>
           </p:cNvPicPr>
           <p:nvPr/>
         </p:nvPicPr>
         <p:blipFill>
-          <a:blip r:embed="rId2"/>
+          <a:blip r:embed="rId3"/>
           <a:stretch>
             <a:fillRect/>
           </a:stretch>
         </p:blipFill>
         <p:spPr>
           <a:xfrm>
-            <a:off x="380166" y="1420860"/>
-            <a:ext cx="10582474" cy="5274580"/>
+            <a:off x="624840" y="3026699"/>
+            <a:ext cx="10363200" cy="828675"/>
+          </a:xfrm>
+          <a:prstGeom prst="rect">
+            <a:avLst/>
+          </a:prstGeom>
+        </p:spPr>
+      </p:pic>
+      <p:pic>
+        <p:nvPicPr>
+          <p:cNvPr id="6" name="Immagine 5"/>
+          <p:cNvPicPr>
+            <a:picLocks noChangeAspect="1"/>
+          </p:cNvPicPr>
+          <p:nvPr/>
+        </p:nvPicPr>
+        <p:blipFill>
+          <a:blip r:embed="rId4"/>
+          <a:stretch>
+            <a:fillRect/>
+          </a:stretch>
+        </p:blipFill>
+        <p:spPr>
+          <a:xfrm>
+            <a:off x="777240" y="4022882"/>
+            <a:ext cx="10058400" cy="2600325"/>
           </a:xfrm>
           <a:prstGeom prst="rect">
             <a:avLst/>
@@ -6336,7 +6382,7 @@
     </p:spTree>
     <p:extLst>
       <p:ext uri="{BB962C8B-B14F-4D97-AF65-F5344CB8AC3E}">
-        <p14:creationId xmlns:p14="http://schemas.microsoft.com/office/powerpoint/2010/main" val="1895720447"/>
+        <p14:creationId xmlns:p14="http://schemas.microsoft.com/office/powerpoint/2010/main" val="2141722471"/>
       </p:ext>
     </p:extLst>
   </p:cSld>
@@ -6365,7 +6411,84 @@
       </p:grpSpPr>
       <p:sp>
         <p:nvSpPr>
-          <p:cNvPr id="2" name="Titolo 1"/>
+          <p:cNvPr id="3" name="Segnaposto contenuto 2"/>
+          <p:cNvSpPr>
+            <a:spLocks noGrp="1"/>
+          </p:cNvSpPr>
+          <p:nvPr>
+            <p:ph idx="1"/>
+          </p:nvPr>
+        </p:nvSpPr>
+        <p:spPr/>
+        <p:txBody>
+          <a:bodyPr/>
+          <a:lstStyle/>
+          <a:p>
+            <a:r>
+              <a:rPr lang="it-IT" dirty="0"/>
+              <a:t>Project management web </a:t>
+            </a:r>
+            <a:r>
+              <a:rPr lang="it-IT" dirty="0" err="1"/>
+              <a:t>application</a:t>
+            </a:r>
+            <a:endParaRPr lang="it-IT" dirty="0"/>
+          </a:p>
+          <a:p>
+            <a:r>
+              <a:rPr lang="it-IT" dirty="0">
+                <a:hlinkClick r:id="rId2"/>
+              </a:rPr>
+              <a:t>https://redmine.consorzio-cini.it/projects/project8-manager-rtl</a:t>
+            </a:r>
+            <a:endParaRPr lang="it-IT" dirty="0"/>
+          </a:p>
+          <a:p>
+            <a:endParaRPr lang="it-IT" dirty="0"/>
+          </a:p>
+          <a:p>
+            <a:r>
+              <a:rPr lang="it-IT" dirty="0" err="1"/>
+              <a:t>Closed</a:t>
+            </a:r>
+            <a:r>
+              <a:rPr lang="it-IT" dirty="0"/>
+              <a:t> </a:t>
+            </a:r>
+            <a:r>
+              <a:rPr lang="it-IT" dirty="0" err="1"/>
+              <a:t>issues</a:t>
+            </a:r>
+            <a:r>
+              <a:rPr lang="it-IT" dirty="0"/>
+              <a:t>: 33</a:t>
+            </a:r>
+          </a:p>
+          <a:p>
+            <a:r>
+              <a:rPr lang="it-IT" dirty="0"/>
+              <a:t>Time </a:t>
+            </a:r>
+            <a:r>
+              <a:rPr lang="it-IT" dirty="0" err="1"/>
+              <a:t>spent</a:t>
+            </a:r>
+            <a:r>
+              <a:rPr lang="it-IT" dirty="0"/>
+              <a:t>: ~ 250 hours</a:t>
+            </a:r>
+          </a:p>
+          <a:p>
+            <a:pPr marL="0" indent="0">
+              <a:buNone/>
+            </a:pPr>
+            <a:endParaRPr lang="it-IT" dirty="0"/>
+          </a:p>
+        </p:txBody>
+      </p:sp>
+      <p:sp>
+        <p:nvSpPr>
+          <p:cNvPr id="4" name="Titolo 1"/>
           <p:cNvSpPr>
             <a:spLocks noGrp="1"/>
           </p:cNvSpPr>
@@ -6373,12 +6496,7 @@
             <p:ph type="title"/>
           </p:nvPr>
         </p:nvSpPr>
-        <p:spPr>
-          <a:xfrm>
-            <a:off x="1246294" y="340360"/>
-            <a:ext cx="8596668" cy="1320800"/>
-          </a:xfrm>
-        </p:spPr>
+        <p:spPr/>
         <p:txBody>
           <a:bodyPr>
             <a:normAutofit/>
@@ -6398,82 +6516,10 @@
           </a:p>
         </p:txBody>
       </p:sp>
-      <p:pic>
-        <p:nvPicPr>
-          <p:cNvPr id="6" name="Immagine 5"/>
-          <p:cNvPicPr>
-            <a:picLocks noChangeAspect="1"/>
-          </p:cNvPicPr>
-          <p:nvPr/>
-        </p:nvPicPr>
-        <p:blipFill>
-          <a:blip r:embed="rId2"/>
-          <a:stretch>
-            <a:fillRect/>
-          </a:stretch>
-        </p:blipFill>
-        <p:spPr>
-          <a:xfrm>
-            <a:off x="2411038" y="1317588"/>
-            <a:ext cx="6678908" cy="2385731"/>
-          </a:xfrm>
-          <a:prstGeom prst="rect">
-            <a:avLst/>
-          </a:prstGeom>
-        </p:spPr>
-      </p:pic>
-      <p:pic>
-        <p:nvPicPr>
-          <p:cNvPr id="7" name="Immagine 6"/>
-          <p:cNvPicPr>
-            <a:picLocks noChangeAspect="1"/>
-          </p:cNvPicPr>
-          <p:nvPr/>
-        </p:nvPicPr>
-        <p:blipFill>
-          <a:blip r:embed="rId3"/>
-          <a:stretch>
-            <a:fillRect/>
-          </a:stretch>
-        </p:blipFill>
-        <p:spPr>
-          <a:xfrm>
-            <a:off x="2411038" y="3439160"/>
-            <a:ext cx="6678908" cy="3268979"/>
-          </a:xfrm>
-          <a:prstGeom prst="rect">
-            <a:avLst/>
-          </a:prstGeom>
-        </p:spPr>
-      </p:pic>
-      <p:pic>
-        <p:nvPicPr>
-          <p:cNvPr id="9" name="Immagine 8"/>
-          <p:cNvPicPr>
-            <a:picLocks noChangeAspect="1"/>
-          </p:cNvPicPr>
-          <p:nvPr/>
-        </p:nvPicPr>
-        <p:blipFill>
-          <a:blip r:embed="rId4"/>
-          <a:stretch>
-            <a:fillRect/>
-          </a:stretch>
-        </p:blipFill>
-        <p:spPr>
-          <a:xfrm>
-            <a:off x="6598920" y="1543685"/>
-            <a:ext cx="2183130" cy="853798"/>
-          </a:xfrm>
-          <a:prstGeom prst="rect">
-            <a:avLst/>
-          </a:prstGeom>
-        </p:spPr>
-      </p:pic>
     </p:spTree>
     <p:extLst>
       <p:ext uri="{BB962C8B-B14F-4D97-AF65-F5344CB8AC3E}">
-        <p14:creationId xmlns:p14="http://schemas.microsoft.com/office/powerpoint/2010/main" val="4042347012"/>
+        <p14:creationId xmlns:p14="http://schemas.microsoft.com/office/powerpoint/2010/main" val="1334385978"/>
       </p:ext>
     </p:extLst>
   </p:cSld>
@@ -6534,7 +6580,15 @@
           <a:bodyPr/>
           <a:lstStyle/>
           <a:p>
-            <a:endParaRPr lang="it-IT"/>
+            <a:pPr marL="0" indent="0">
+              <a:buNone/>
+            </a:pPr>
+            <a:endParaRPr lang="it-IT" dirty="0">
+              <a:solidFill>
+                <a:schemeClr val="tx1"/>
+              </a:solidFill>
+              <a:hlinkClick r:id="rId2"/>
+            </a:endParaRPr>
           </a:p>
         </p:txBody>
       </p:sp>
@@ -6817,46 +6871,52 @@
             <p:ph type="title"/>
           </p:nvPr>
         </p:nvSpPr>
-        <p:spPr>
-          <a:xfrm>
-            <a:off x="360108" y="609600"/>
-            <a:ext cx="9705802" cy="1320800"/>
-          </a:xfrm>
-        </p:spPr>
+        <p:spPr/>
         <p:txBody>
           <a:bodyPr>
-            <a:noAutofit/>
+            <a:normAutofit/>
           </a:bodyPr>
           <a:lstStyle/>
           <a:p>
             <a:r>
-              <a:rPr lang="en-US" sz="5400" dirty="0">
+              <a:rPr lang="it-IT" sz="5400" dirty="0" err="1">
                 <a:solidFill>
                   <a:schemeClr val="accent2"/>
                 </a:solidFill>
               </a:rPr>
-              <a:t>Gantt, IP-core Manager v1.0</a:t>
-            </a:r>
-            <a:br>
+              <a:t>Gantt</a:t>
+            </a:r>
+            <a:r>
               <a:rPr lang="it-IT" sz="5400" dirty="0">
                 <a:solidFill>
                   <a:schemeClr val="accent2"/>
                 </a:solidFill>
               </a:rPr>
-            </a:br>
-            <a:endParaRPr lang="it-IT" sz="5400" dirty="0"/>
+              <a:t> of the </a:t>
+            </a:r>
+            <a:r>
+              <a:rPr lang="it-IT" sz="5400" dirty="0" err="1">
+                <a:solidFill>
+                  <a:schemeClr val="accent2"/>
+                </a:solidFill>
+              </a:rPr>
+              <a:t>Requirements</a:t>
+            </a:r>
+            <a:endParaRPr lang="it-IT" sz="5400" dirty="0">
+              <a:solidFill>
+                <a:schemeClr val="accent2"/>
+              </a:solidFill>
+            </a:endParaRPr>
           </a:p>
         </p:txBody>
       </p:sp>
       <p:pic>
         <p:nvPicPr>
-          <p:cNvPr id="4" name="Segnaposto contenuto 3"/>
+          <p:cNvPr id="3" name="Immagine 2"/>
           <p:cNvPicPr>
-            <a:picLocks noGrp="1" noChangeAspect="1"/>
+            <a:picLocks noChangeAspect="1"/>
           </p:cNvPicPr>
-          <p:nvPr>
-            <p:ph idx="1"/>
-          </p:nvPr>
+          <p:nvPr/>
         </p:nvPicPr>
         <p:blipFill>
           <a:blip r:embed="rId2"/>
@@ -6866,8 +6926,8 @@
         </p:blipFill>
         <p:spPr>
           <a:xfrm>
-            <a:off x="360108" y="1813560"/>
-            <a:ext cx="11158530" cy="4653280"/>
+            <a:off x="352165" y="1662748"/>
+            <a:ext cx="9645275" cy="4453572"/>
           </a:xfrm>
           <a:prstGeom prst="rect">
             <a:avLst/>
@@ -6877,7 +6937,7 @@
     </p:spTree>
     <p:extLst>
       <p:ext uri="{BB962C8B-B14F-4D97-AF65-F5344CB8AC3E}">
-        <p14:creationId xmlns:p14="http://schemas.microsoft.com/office/powerpoint/2010/main" val="3195279742"/>
+        <p14:creationId xmlns:p14="http://schemas.microsoft.com/office/powerpoint/2010/main" val="2915158487"/>
       </p:ext>
     </p:extLst>
   </p:cSld>
@@ -6904,15 +6964,55 @@
           <a:chExt cx="0" cy="0"/>
         </a:xfrm>
       </p:grpSpPr>
+      <p:sp>
+        <p:nvSpPr>
+          <p:cNvPr id="2" name="Titolo 1"/>
+          <p:cNvSpPr>
+            <a:spLocks noGrp="1"/>
+          </p:cNvSpPr>
+          <p:nvPr>
+            <p:ph type="title"/>
+          </p:nvPr>
+        </p:nvSpPr>
+        <p:spPr>
+          <a:xfrm>
+            <a:off x="485443" y="375920"/>
+            <a:ext cx="9705802" cy="1320800"/>
+          </a:xfrm>
+        </p:spPr>
+        <p:txBody>
+          <a:bodyPr>
+            <a:noAutofit/>
+          </a:bodyPr>
+          <a:lstStyle/>
+          <a:p>
+            <a:r>
+              <a:rPr lang="it-IT" sz="5400" dirty="0" err="1">
+                <a:solidFill>
+                  <a:schemeClr val="accent2"/>
+                </a:solidFill>
+              </a:rPr>
+              <a:t>Gantt</a:t>
+            </a:r>
+            <a:r>
+              <a:rPr lang="it-IT" sz="5400" dirty="0">
+                <a:solidFill>
+                  <a:schemeClr val="accent2"/>
+                </a:solidFill>
+              </a:rPr>
+              <a:t> of the Development</a:t>
+            </a:r>
+            <a:endParaRPr lang="it-IT" sz="5400" dirty="0"/>
+          </a:p>
+        </p:txBody>
+      </p:sp>
       <p:pic>
         <p:nvPicPr>
-          <p:cNvPr id="4" name="Segnaposto contenuto 3"/>
+          <p:cNvPr id="5" name="Immagine 4"/>
           <p:cNvPicPr>
-            <a:picLocks noGrp="1" noChangeAspect="1"/>
+            <a:picLocks noChangeAspect="1"/>
           </p:cNvPicPr>
-          <p:nvPr>
-            <p:ph idx="1"/>
-          </p:nvPr>
+          <p:nvPr/>
         </p:nvPicPr>
         <p:blipFill>
           <a:blip r:embed="rId2"/>
@@ -6922,58 +7022,18 @@
         </p:blipFill>
         <p:spPr>
           <a:xfrm>
-            <a:off x="1280160" y="1500383"/>
-            <a:ext cx="8412480" cy="5245660"/>
+            <a:off x="1060248" y="1432284"/>
+            <a:ext cx="8825432" cy="5247915"/>
           </a:xfrm>
           <a:prstGeom prst="rect">
             <a:avLst/>
           </a:prstGeom>
         </p:spPr>
       </p:pic>
-      <p:sp>
-        <p:nvSpPr>
-          <p:cNvPr id="5" name="Rettangolo 4"/>
-          <p:cNvSpPr/>
-          <p:nvPr/>
-        </p:nvSpPr>
-        <p:spPr>
-          <a:xfrm>
-            <a:off x="551180" y="494715"/>
-            <a:ext cx="9499600" cy="1754326"/>
-          </a:xfrm>
-          <a:prstGeom prst="rect">
-            <a:avLst/>
-          </a:prstGeom>
-        </p:spPr>
-        <p:txBody>
-          <a:bodyPr wrap="square">
-            <a:spAutoFit/>
-          </a:bodyPr>
-          <a:lstStyle/>
-          <a:p>
-            <a:r>
-              <a:rPr lang="en-US" sz="5400" dirty="0">
-                <a:solidFill>
-                  <a:schemeClr val="accent2"/>
-                </a:solidFill>
-              </a:rPr>
-              <a:t>Gantt, IP-core Manager v2.0</a:t>
-            </a:r>
-            <a:br>
-              <a:rPr lang="it-IT" sz="5400" dirty="0">
-                <a:solidFill>
-                  <a:schemeClr val="accent2"/>
-                </a:solidFill>
-              </a:rPr>
-            </a:br>
-            <a:endParaRPr lang="it-IT" sz="5400" dirty="0"/>
-          </a:p>
-        </p:txBody>
-      </p:sp>
     </p:spTree>
     <p:extLst>
       <p:ext uri="{BB962C8B-B14F-4D97-AF65-F5344CB8AC3E}">
-        <p14:creationId xmlns:p14="http://schemas.microsoft.com/office/powerpoint/2010/main" val="1633418803"/>
+        <p14:creationId xmlns:p14="http://schemas.microsoft.com/office/powerpoint/2010/main" val="3195279742"/>
       </p:ext>
     </p:extLst>
   </p:cSld>
@@ -7216,7 +7276,7 @@
         </p:blipFill>
         <p:spPr>
           <a:xfrm>
-            <a:off x="50801" y="0"/>
+            <a:off x="50801" y="-10160"/>
             <a:ext cx="12141199" cy="6898550"/>
           </a:xfrm>
           <a:prstGeom prst="rect">
@@ -7426,8 +7486,8 @@
         </p:nvSpPr>
         <p:spPr>
           <a:xfrm>
-            <a:off x="0" y="330200"/>
-            <a:ext cx="10993120" cy="1320800"/>
+            <a:off x="182880" y="2880360"/>
+            <a:ext cx="10993120" cy="1625600"/>
           </a:xfrm>
         </p:spPr>
         <p:txBody>
@@ -7464,32 +7524,6 @@
           </a:p>
         </p:txBody>
       </p:sp>
-      <p:pic>
-        <p:nvPicPr>
-          <p:cNvPr id="4" name="Segnaposto contenuto 3"/>
-          <p:cNvPicPr>
-            <a:picLocks noGrp="1" noChangeAspect="1"/>
-          </p:cNvPicPr>
-          <p:nvPr>
-            <p:ph idx="1"/>
-          </p:nvPr>
-        </p:nvPicPr>
-        <p:blipFill>
-          <a:blip r:embed="rId2"/>
-          <a:stretch>
-            <a:fillRect/>
-          </a:stretch>
-        </p:blipFill>
-        <p:spPr>
-          <a:xfrm>
-            <a:off x="2447712" y="1393065"/>
-            <a:ext cx="5571067" cy="5192886"/>
-          </a:xfrm>
-          <a:prstGeom prst="rect">
-            <a:avLst/>
-          </a:prstGeom>
-        </p:spPr>
-      </p:pic>
     </p:spTree>
     <p:extLst>
       <p:ext uri="{BB962C8B-B14F-4D97-AF65-F5344CB8AC3E}">
@@ -7613,30 +7647,6 @@
           </a:p>
         </p:txBody>
       </p:sp>
-      <p:pic>
-        <p:nvPicPr>
-          <p:cNvPr id="9" name="Immagine 8"/>
-          <p:cNvPicPr>
-            <a:picLocks noChangeAspect="1"/>
-          </p:cNvPicPr>
-          <p:nvPr/>
-        </p:nvPicPr>
-        <p:blipFill>
-          <a:blip r:embed="rId2"/>
-          <a:stretch>
-            <a:fillRect/>
-          </a:stretch>
-        </p:blipFill>
-        <p:spPr>
-          <a:xfrm>
-            <a:off x="2298398" y="1488440"/>
-            <a:ext cx="6117207" cy="5159523"/>
-          </a:xfrm>
-          <a:prstGeom prst="rect">
-            <a:avLst/>
-          </a:prstGeom>
-        </p:spPr>
-      </p:pic>
       <p:sp>
         <p:nvSpPr>
           <p:cNvPr id="10" name="Rettangolo 9"/>
@@ -7645,7 +7655,7 @@
         </p:nvSpPr>
         <p:spPr>
           <a:xfrm>
-            <a:off x="0" y="416560"/>
+            <a:off x="106680" y="2606655"/>
             <a:ext cx="11003280" cy="923330"/>
           </a:xfrm>
           <a:prstGeom prst="rect">
@@ -7826,7 +7836,7 @@
         </p:nvSpPr>
         <p:spPr>
           <a:xfrm>
-            <a:off x="1119294" y="208280"/>
+            <a:off x="1446221" y="2809240"/>
             <a:ext cx="8596668" cy="1320800"/>
           </a:xfrm>
         </p:spPr>
@@ -7862,30 +7872,6 @@
           </a:p>
         </p:txBody>
       </p:sp>
-      <p:pic>
-        <p:nvPicPr>
-          <p:cNvPr id="4" name="Immagine 3"/>
-          <p:cNvPicPr>
-            <a:picLocks noChangeAspect="1"/>
-          </p:cNvPicPr>
-          <p:nvPr/>
-        </p:nvPicPr>
-        <p:blipFill>
-          <a:blip r:embed="rId2"/>
-          <a:stretch>
-            <a:fillRect/>
-          </a:stretch>
-        </p:blipFill>
-        <p:spPr>
-          <a:xfrm>
-            <a:off x="1615440" y="1369408"/>
-            <a:ext cx="7909560" cy="5370912"/>
-          </a:xfrm>
-          <a:prstGeom prst="rect">
-            <a:avLst/>
-          </a:prstGeom>
-        </p:spPr>
-      </p:pic>
       <p:sp>
         <p:nvSpPr>
           <p:cNvPr id="5" name="Rettangolo 4"/>

--- a/slides/GINA_SDP_final.pptx
+++ b/slides/GINA_SDP_final.pptx
@@ -6419,7 +6419,12 @@
             <p:ph idx="1"/>
           </p:nvPr>
         </p:nvSpPr>
-        <p:spPr/>
+        <p:spPr>
+          <a:xfrm>
+            <a:off x="677334" y="2160589"/>
+            <a:ext cx="8596668" cy="2345371"/>
+          </a:xfrm>
+        </p:spPr>
         <p:txBody>
           <a:bodyPr/>
           <a:lstStyle/>
@@ -6444,41 +6449,6 @@
             <a:endParaRPr lang="it-IT" dirty="0"/>
           </a:p>
           <a:p>
-            <a:endParaRPr lang="it-IT" dirty="0"/>
-          </a:p>
-          <a:p>
-            <a:r>
-              <a:rPr lang="it-IT" dirty="0" err="1"/>
-              <a:t>Closed</a:t>
-            </a:r>
-            <a:r>
-              <a:rPr lang="it-IT" dirty="0"/>
-              <a:t> </a:t>
-            </a:r>
-            <a:r>
-              <a:rPr lang="it-IT" dirty="0" err="1"/>
-              <a:t>issues</a:t>
-            </a:r>
-            <a:r>
-              <a:rPr lang="it-IT" dirty="0"/>
-              <a:t>: 33</a:t>
-            </a:r>
-          </a:p>
-          <a:p>
-            <a:r>
-              <a:rPr lang="it-IT" dirty="0"/>
-              <a:t>Time </a:t>
-            </a:r>
-            <a:r>
-              <a:rPr lang="it-IT" dirty="0" err="1"/>
-              <a:t>spent</a:t>
-            </a:r>
-            <a:r>
-              <a:rPr lang="it-IT" dirty="0"/>
-              <a:t>: ~ 250 hours</a:t>
-            </a:r>
-          </a:p>
-          <a:p>
             <a:pPr marL="0" indent="0">
               <a:buNone/>
             </a:pPr>
@@ -6516,6 +6486,30 @@
           </a:p>
         </p:txBody>
       </p:sp>
+      <p:pic>
+        <p:nvPicPr>
+          <p:cNvPr id="5" name="Immagine 4"/>
+          <p:cNvPicPr>
+            <a:picLocks noChangeAspect="1"/>
+          </p:cNvPicPr>
+          <p:nvPr/>
+        </p:nvPicPr>
+        <p:blipFill>
+          <a:blip r:embed="rId3"/>
+          <a:stretch>
+            <a:fillRect/>
+          </a:stretch>
+        </p:blipFill>
+        <p:spPr>
+          <a:xfrm>
+            <a:off x="2504440" y="3437471"/>
+            <a:ext cx="5872797" cy="2304834"/>
+          </a:xfrm>
+          <a:prstGeom prst="rect">
+            <a:avLst/>
+          </a:prstGeom>
+        </p:spPr>
+      </p:pic>
     </p:spTree>
     <p:extLst>
       <p:ext uri="{BB962C8B-B14F-4D97-AF65-F5344CB8AC3E}">
